--- a/EDA CAPSTONE PROJECT.pptx
+++ b/EDA CAPSTONE PROJECT.pptx
@@ -12,6 +12,21 @@
     <p:sldId id="260" r:id="rId6"/>
     <p:sldId id="261" r:id="rId7"/>
     <p:sldId id="262" r:id="rId8"/>
+    <p:sldId id="263" r:id="rId9"/>
+    <p:sldId id="268" r:id="rId10"/>
+    <p:sldId id="269" r:id="rId11"/>
+    <p:sldId id="270" r:id="rId12"/>
+    <p:sldId id="271" r:id="rId13"/>
+    <p:sldId id="272" r:id="rId14"/>
+    <p:sldId id="273" r:id="rId15"/>
+    <p:sldId id="274" r:id="rId16"/>
+    <p:sldId id="265" r:id="rId17"/>
+    <p:sldId id="266" r:id="rId18"/>
+    <p:sldId id="275" r:id="rId19"/>
+    <p:sldId id="276" r:id="rId20"/>
+    <p:sldId id="277" r:id="rId21"/>
+    <p:sldId id="278" r:id="rId22"/>
+    <p:sldId id="279" r:id="rId23"/>
   </p:sldIdLst>
   <p:sldSz cx="12192000" cy="6858000"/>
   <p:notesSz cx="6858000" cy="9144000"/>
@@ -110,6 +125,11 @@
       </a:defRPr>
     </a:lvl9pPr>
   </p:defaultTextStyle>
+  <p:extLst>
+    <p:ext uri="{EFAFB233-063F-42B5-8137-9DF3F51BA10A}">
+      <p15:sldGuideLst xmlns:p15="http://schemas.microsoft.com/office/powerpoint/2012/main"/>
+    </p:ext>
+  </p:extLst>
 </p:presentation>
 </file>
 
@@ -304,7 +324,7 @@
           <a:p>
             <a:fld id="{177F7BBF-B920-4D5E-B5F4-9EED4C7B1E65}" type="datetimeFigureOut">
               <a:rPr lang="en-IN" smtClean="0"/>
-              <a:t>20-07-2022</a:t>
+              <a:t>25-07-2022</a:t>
             </a:fld>
             <a:endParaRPr lang="en-IN"/>
           </a:p>
@@ -740,7 +760,7 @@
           <a:p>
             <a:fld id="{177F7BBF-B920-4D5E-B5F4-9EED4C7B1E65}" type="datetimeFigureOut">
               <a:rPr lang="en-IN" smtClean="0"/>
-              <a:t>20-07-2022</a:t>
+              <a:t>25-07-2022</a:t>
             </a:fld>
             <a:endParaRPr lang="en-IN"/>
           </a:p>
@@ -990,7 +1010,7 @@
           <a:p>
             <a:fld id="{177F7BBF-B920-4D5E-B5F4-9EED4C7B1E65}" type="datetimeFigureOut">
               <a:rPr lang="en-IN" smtClean="0"/>
-              <a:t>20-07-2022</a:t>
+              <a:t>25-07-2022</a:t>
             </a:fld>
             <a:endParaRPr lang="en-IN"/>
           </a:p>
@@ -1298,7 +1318,7 @@
           <a:p>
             <a:fld id="{177F7BBF-B920-4D5E-B5F4-9EED4C7B1E65}" type="datetimeFigureOut">
               <a:rPr lang="en-IN" smtClean="0"/>
-              <a:t>20-07-2022</a:t>
+              <a:t>25-07-2022</a:t>
             </a:fld>
             <a:endParaRPr lang="en-IN"/>
           </a:p>
@@ -1616,7 +1636,7 @@
           <a:p>
             <a:fld id="{177F7BBF-B920-4D5E-B5F4-9EED4C7B1E65}" type="datetimeFigureOut">
               <a:rPr lang="en-IN" smtClean="0"/>
-              <a:t>20-07-2022</a:t>
+              <a:t>25-07-2022</a:t>
             </a:fld>
             <a:endParaRPr lang="en-IN"/>
           </a:p>
@@ -1918,7 +1938,7 @@
           <a:p>
             <a:fld id="{177F7BBF-B920-4D5E-B5F4-9EED4C7B1E65}" type="datetimeFigureOut">
               <a:rPr lang="en-IN" smtClean="0"/>
-              <a:t>20-07-2022</a:t>
+              <a:t>25-07-2022</a:t>
             </a:fld>
             <a:endParaRPr lang="en-IN"/>
           </a:p>
@@ -2285,7 +2305,7 @@
           <a:p>
             <a:fld id="{177F7BBF-B920-4D5E-B5F4-9EED4C7B1E65}" type="datetimeFigureOut">
               <a:rPr lang="en-IN" smtClean="0"/>
-              <a:t>20-07-2022</a:t>
+              <a:t>25-07-2022</a:t>
             </a:fld>
             <a:endParaRPr lang="en-IN"/>
           </a:p>
@@ -2459,7 +2479,7 @@
           <a:p>
             <a:fld id="{177F7BBF-B920-4D5E-B5F4-9EED4C7B1E65}" type="datetimeFigureOut">
               <a:rPr lang="en-IN" smtClean="0"/>
-              <a:t>20-07-2022</a:t>
+              <a:t>25-07-2022</a:t>
             </a:fld>
             <a:endParaRPr lang="en-IN"/>
           </a:p>
@@ -2639,7 +2659,7 @@
           <a:p>
             <a:fld id="{177F7BBF-B920-4D5E-B5F4-9EED4C7B1E65}" type="datetimeFigureOut">
               <a:rPr lang="en-IN" smtClean="0"/>
-              <a:t>20-07-2022</a:t>
+              <a:t>25-07-2022</a:t>
             </a:fld>
             <a:endParaRPr lang="en-IN"/>
           </a:p>
@@ -2809,7 +2829,7 @@
           <a:p>
             <a:fld id="{177F7BBF-B920-4D5E-B5F4-9EED4C7B1E65}" type="datetimeFigureOut">
               <a:rPr lang="en-IN" smtClean="0"/>
-              <a:t>20-07-2022</a:t>
+              <a:t>25-07-2022</a:t>
             </a:fld>
             <a:endParaRPr lang="en-IN"/>
           </a:p>
@@ -3059,7 +3079,7 @@
           <a:p>
             <a:fld id="{177F7BBF-B920-4D5E-B5F4-9EED4C7B1E65}" type="datetimeFigureOut">
               <a:rPr lang="en-IN" smtClean="0"/>
-              <a:t>20-07-2022</a:t>
+              <a:t>25-07-2022</a:t>
             </a:fld>
             <a:endParaRPr lang="en-IN"/>
           </a:p>
@@ -3295,7 +3315,7 @@
           <a:p>
             <a:fld id="{177F7BBF-B920-4D5E-B5F4-9EED4C7B1E65}" type="datetimeFigureOut">
               <a:rPr lang="en-IN" smtClean="0"/>
-              <a:t>20-07-2022</a:t>
+              <a:t>25-07-2022</a:t>
             </a:fld>
             <a:endParaRPr lang="en-IN"/>
           </a:p>
@@ -3677,7 +3697,7 @@
           <a:p>
             <a:fld id="{177F7BBF-B920-4D5E-B5F4-9EED4C7B1E65}" type="datetimeFigureOut">
               <a:rPr lang="en-IN" smtClean="0"/>
-              <a:t>20-07-2022</a:t>
+              <a:t>25-07-2022</a:t>
             </a:fld>
             <a:endParaRPr lang="en-IN"/>
           </a:p>
@@ -3795,7 +3815,7 @@
           <a:p>
             <a:fld id="{177F7BBF-B920-4D5E-B5F4-9EED4C7B1E65}" type="datetimeFigureOut">
               <a:rPr lang="en-IN" smtClean="0"/>
-              <a:t>20-07-2022</a:t>
+              <a:t>25-07-2022</a:t>
             </a:fld>
             <a:endParaRPr lang="en-IN"/>
           </a:p>
@@ -3890,7 +3910,7 @@
           <a:p>
             <a:fld id="{177F7BBF-B920-4D5E-B5F4-9EED4C7B1E65}" type="datetimeFigureOut">
               <a:rPr lang="en-IN" smtClean="0"/>
-              <a:t>20-07-2022</a:t>
+              <a:t>25-07-2022</a:t>
             </a:fld>
             <a:endParaRPr lang="en-IN"/>
           </a:p>
@@ -4145,7 +4165,7 @@
           <a:p>
             <a:fld id="{177F7BBF-B920-4D5E-B5F4-9EED4C7B1E65}" type="datetimeFigureOut">
               <a:rPr lang="en-IN" smtClean="0"/>
-              <a:t>20-07-2022</a:t>
+              <a:t>25-07-2022</a:t>
             </a:fld>
             <a:endParaRPr lang="en-IN"/>
           </a:p>
@@ -4428,7 +4448,7 @@
           <a:p>
             <a:fld id="{177F7BBF-B920-4D5E-B5F4-9EED4C7B1E65}" type="datetimeFigureOut">
               <a:rPr lang="en-IN" smtClean="0"/>
-              <a:t>20-07-2022</a:t>
+              <a:t>25-07-2022</a:t>
             </a:fld>
             <a:endParaRPr lang="en-IN"/>
           </a:p>
@@ -4834,7 +4854,7 @@
           <a:p>
             <a:fld id="{177F7BBF-B920-4D5E-B5F4-9EED4C7B1E65}" type="datetimeFigureOut">
               <a:rPr lang="en-IN" smtClean="0"/>
-              <a:t>20-07-2022</a:t>
+              <a:t>25-07-2022</a:t>
             </a:fld>
             <a:endParaRPr lang="en-IN"/>
           </a:p>
@@ -5451,6 +5471,1066 @@
 </p:sld>
 </file>
 
+<file path=ppt/slides/slide10.xml><?xml version="1.0" encoding="utf-8"?>
+<p:sld xmlns:a="http://schemas.openxmlformats.org/drawingml/2006/main" xmlns:r="http://schemas.openxmlformats.org/officeDocument/2006/relationships" xmlns:p="http://schemas.openxmlformats.org/presentationml/2006/main">
+  <p:cSld>
+    <p:spTree>
+      <p:nvGrpSpPr>
+        <p:cNvPr id="1" name=""/>
+        <p:cNvGrpSpPr/>
+        <p:nvPr/>
+      </p:nvGrpSpPr>
+      <p:grpSpPr>
+        <a:xfrm>
+          <a:off x="0" y="0"/>
+          <a:ext cx="0" cy="0"/>
+          <a:chOff x="0" y="0"/>
+          <a:chExt cx="0" cy="0"/>
+        </a:xfrm>
+      </p:grpSpPr>
+      <p:sp>
+        <p:nvSpPr>
+          <p:cNvPr id="4" name="Title 3"/>
+          <p:cNvSpPr>
+            <a:spLocks noGrp="1"/>
+          </p:cNvSpPr>
+          <p:nvPr>
+            <p:ph type="ctrTitle"/>
+          </p:nvPr>
+        </p:nvSpPr>
+        <p:spPr/>
+        <p:txBody>
+          <a:bodyPr>
+            <a:normAutofit fontScale="90000"/>
+          </a:bodyPr>
+          <a:lstStyle/>
+          <a:p>
+            <a:r>
+              <a:rPr lang="en-IN" i="1" dirty="0" smtClean="0"/>
+              <a:t>Average minimum nights stayed in neighbourhood groups</a:t>
+            </a:r>
+            <a:endParaRPr lang="en-IN" i="1" dirty="0"/>
+          </a:p>
+        </p:txBody>
+      </p:sp>
+      <p:sp>
+        <p:nvSpPr>
+          <p:cNvPr id="5" name="Subtitle 4"/>
+          <p:cNvSpPr>
+            <a:spLocks noGrp="1"/>
+          </p:cNvSpPr>
+          <p:nvPr>
+            <p:ph type="subTitle" idx="1"/>
+          </p:nvPr>
+        </p:nvSpPr>
+        <p:spPr/>
+        <p:txBody>
+          <a:bodyPr/>
+          <a:lstStyle/>
+          <a:p>
+            <a:r>
+              <a:rPr lang="en-IN" dirty="0" smtClean="0"/>
+              <a:t>From the above figure we can see that Manhattan has the highest number of average staying of minimum  nights followed by Brooklyn because these two places has the highest number of bookings.</a:t>
+            </a:r>
+            <a:endParaRPr lang="en-IN" dirty="0"/>
+          </a:p>
+        </p:txBody>
+      </p:sp>
+      <p:pic>
+        <p:nvPicPr>
+          <p:cNvPr id="6" name="Picture 5"/>
+          <p:cNvPicPr>
+            <a:picLocks noChangeAspect="1"/>
+          </p:cNvPicPr>
+          <p:nvPr/>
+        </p:nvPicPr>
+        <p:blipFill>
+          <a:blip r:embed="rId2"/>
+          <a:stretch>
+            <a:fillRect/>
+          </a:stretch>
+        </p:blipFill>
+        <p:spPr>
+          <a:xfrm>
+            <a:off x="8685212" y="1"/>
+            <a:ext cx="3506788" cy="4484076"/>
+          </a:xfrm>
+          <a:prstGeom prst="rect">
+            <a:avLst/>
+          </a:prstGeom>
+        </p:spPr>
+      </p:pic>
+    </p:spTree>
+    <p:extLst>
+      <p:ext uri="{BB962C8B-B14F-4D97-AF65-F5344CB8AC3E}">
+        <p14:creationId xmlns:p14="http://schemas.microsoft.com/office/powerpoint/2010/main" val="3030002247"/>
+      </p:ext>
+    </p:extLst>
+  </p:cSld>
+  <p:clrMapOvr>
+    <a:masterClrMapping/>
+  </p:clrMapOvr>
+</p:sld>
+</file>
+
+<file path=ppt/slides/slide11.xml><?xml version="1.0" encoding="utf-8"?>
+<p:sld xmlns:a="http://schemas.openxmlformats.org/drawingml/2006/main" xmlns:r="http://schemas.openxmlformats.org/officeDocument/2006/relationships" xmlns:p="http://schemas.openxmlformats.org/presentationml/2006/main">
+  <p:cSld>
+    <p:spTree>
+      <p:nvGrpSpPr>
+        <p:cNvPr id="1" name=""/>
+        <p:cNvGrpSpPr/>
+        <p:nvPr/>
+      </p:nvGrpSpPr>
+      <p:grpSpPr>
+        <a:xfrm>
+          <a:off x="0" y="0"/>
+          <a:ext cx="0" cy="0"/>
+          <a:chOff x="0" y="0"/>
+          <a:chExt cx="0" cy="0"/>
+        </a:xfrm>
+      </p:grpSpPr>
+      <p:sp>
+        <p:nvSpPr>
+          <p:cNvPr id="4" name="Title 3"/>
+          <p:cNvSpPr>
+            <a:spLocks noGrp="1"/>
+          </p:cNvSpPr>
+          <p:nvPr>
+            <p:ph type="ctrTitle"/>
+          </p:nvPr>
+        </p:nvSpPr>
+        <p:spPr/>
+        <p:txBody>
+          <a:bodyPr>
+            <a:normAutofit fontScale="90000"/>
+          </a:bodyPr>
+          <a:lstStyle/>
+          <a:p>
+            <a:r>
+              <a:rPr lang="en-IN" i="1" dirty="0" smtClean="0"/>
+              <a:t>Average number of host in neighbourhood groups</a:t>
+            </a:r>
+            <a:endParaRPr lang="en-IN" i="1" dirty="0"/>
+          </a:p>
+        </p:txBody>
+      </p:sp>
+      <p:sp>
+        <p:nvSpPr>
+          <p:cNvPr id="5" name="Subtitle 4"/>
+          <p:cNvSpPr>
+            <a:spLocks noGrp="1"/>
+          </p:cNvSpPr>
+          <p:nvPr>
+            <p:ph type="subTitle" idx="1"/>
+          </p:nvPr>
+        </p:nvSpPr>
+        <p:spPr/>
+        <p:txBody>
+          <a:bodyPr/>
+          <a:lstStyle/>
+          <a:p>
+            <a:r>
+              <a:rPr lang="en-IN" dirty="0" smtClean="0"/>
+              <a:t>From the above graph we can figure out that Manhattan has the highest number of average host followed by Queens. </a:t>
+            </a:r>
+            <a:endParaRPr lang="en-IN" dirty="0"/>
+          </a:p>
+        </p:txBody>
+      </p:sp>
+      <p:pic>
+        <p:nvPicPr>
+          <p:cNvPr id="6" name="Picture 5"/>
+          <p:cNvPicPr>
+            <a:picLocks noChangeAspect="1"/>
+          </p:cNvPicPr>
+          <p:nvPr/>
+        </p:nvPicPr>
+        <p:blipFill>
+          <a:blip r:embed="rId2"/>
+          <a:stretch>
+            <a:fillRect/>
+          </a:stretch>
+        </p:blipFill>
+        <p:spPr>
+          <a:xfrm>
+            <a:off x="8685212" y="1"/>
+            <a:ext cx="3506788" cy="4299437"/>
+          </a:xfrm>
+          <a:prstGeom prst="rect">
+            <a:avLst/>
+          </a:prstGeom>
+        </p:spPr>
+      </p:pic>
+    </p:spTree>
+    <p:extLst>
+      <p:ext uri="{BB962C8B-B14F-4D97-AF65-F5344CB8AC3E}">
+        <p14:creationId xmlns:p14="http://schemas.microsoft.com/office/powerpoint/2010/main" val="3014786992"/>
+      </p:ext>
+    </p:extLst>
+  </p:cSld>
+  <p:clrMapOvr>
+    <a:masterClrMapping/>
+  </p:clrMapOvr>
+</p:sld>
+</file>
+
+<file path=ppt/slides/slide12.xml><?xml version="1.0" encoding="utf-8"?>
+<p:sld xmlns:a="http://schemas.openxmlformats.org/drawingml/2006/main" xmlns:r="http://schemas.openxmlformats.org/officeDocument/2006/relationships" xmlns:p="http://schemas.openxmlformats.org/presentationml/2006/main">
+  <p:cSld>
+    <p:spTree>
+      <p:nvGrpSpPr>
+        <p:cNvPr id="1" name=""/>
+        <p:cNvGrpSpPr/>
+        <p:nvPr/>
+      </p:nvGrpSpPr>
+      <p:grpSpPr>
+        <a:xfrm>
+          <a:off x="0" y="0"/>
+          <a:ext cx="0" cy="0"/>
+          <a:chOff x="0" y="0"/>
+          <a:chExt cx="0" cy="0"/>
+        </a:xfrm>
+      </p:grpSpPr>
+      <p:sp>
+        <p:nvSpPr>
+          <p:cNvPr id="4" name="Title 3"/>
+          <p:cNvSpPr>
+            <a:spLocks noGrp="1"/>
+          </p:cNvSpPr>
+          <p:nvPr>
+            <p:ph type="ctrTitle"/>
+          </p:nvPr>
+        </p:nvSpPr>
+        <p:spPr/>
+        <p:txBody>
+          <a:bodyPr>
+            <a:normAutofit fontScale="90000"/>
+          </a:bodyPr>
+          <a:lstStyle/>
+          <a:p>
+            <a:r>
+              <a:rPr lang="en-IN" i="1" dirty="0" smtClean="0"/>
+              <a:t>Average Reviews per month in neighbourhood groups</a:t>
+            </a:r>
+            <a:endParaRPr lang="en-IN" i="1" dirty="0"/>
+          </a:p>
+        </p:txBody>
+      </p:sp>
+      <p:sp>
+        <p:nvSpPr>
+          <p:cNvPr id="5" name="Subtitle 4"/>
+          <p:cNvSpPr>
+            <a:spLocks noGrp="1"/>
+          </p:cNvSpPr>
+          <p:nvPr>
+            <p:ph type="subTitle" idx="1"/>
+          </p:nvPr>
+        </p:nvSpPr>
+        <p:spPr/>
+        <p:txBody>
+          <a:bodyPr/>
+          <a:lstStyle/>
+          <a:p>
+            <a:r>
+              <a:rPr lang="en-IN" dirty="0" smtClean="0"/>
+              <a:t>We can figure out from the above graph is that Queens has the highest number if average reviews per month followed by Staten Island.</a:t>
+            </a:r>
+            <a:endParaRPr lang="en-IN" dirty="0"/>
+          </a:p>
+        </p:txBody>
+      </p:sp>
+      <p:pic>
+        <p:nvPicPr>
+          <p:cNvPr id="6" name="Picture 5"/>
+          <p:cNvPicPr>
+            <a:picLocks noChangeAspect="1"/>
+          </p:cNvPicPr>
+          <p:nvPr/>
+        </p:nvPicPr>
+        <p:blipFill>
+          <a:blip r:embed="rId2"/>
+          <a:stretch>
+            <a:fillRect/>
+          </a:stretch>
+        </p:blipFill>
+        <p:spPr>
+          <a:xfrm>
+            <a:off x="8685212" y="1"/>
+            <a:ext cx="3506788" cy="4730261"/>
+          </a:xfrm>
+          <a:prstGeom prst="rect">
+            <a:avLst/>
+          </a:prstGeom>
+        </p:spPr>
+      </p:pic>
+    </p:spTree>
+    <p:extLst>
+      <p:ext uri="{BB962C8B-B14F-4D97-AF65-F5344CB8AC3E}">
+        <p14:creationId xmlns:p14="http://schemas.microsoft.com/office/powerpoint/2010/main" val="978758180"/>
+      </p:ext>
+    </p:extLst>
+  </p:cSld>
+  <p:clrMapOvr>
+    <a:masterClrMapping/>
+  </p:clrMapOvr>
+</p:sld>
+</file>
+
+<file path=ppt/slides/slide13.xml><?xml version="1.0" encoding="utf-8"?>
+<p:sld xmlns:a="http://schemas.openxmlformats.org/drawingml/2006/main" xmlns:r="http://schemas.openxmlformats.org/officeDocument/2006/relationships" xmlns:p="http://schemas.openxmlformats.org/presentationml/2006/main">
+  <p:cSld>
+    <p:spTree>
+      <p:nvGrpSpPr>
+        <p:cNvPr id="1" name=""/>
+        <p:cNvGrpSpPr/>
+        <p:nvPr/>
+      </p:nvGrpSpPr>
+      <p:grpSpPr>
+        <a:xfrm>
+          <a:off x="0" y="0"/>
+          <a:ext cx="0" cy="0"/>
+          <a:chOff x="0" y="0"/>
+          <a:chExt cx="0" cy="0"/>
+        </a:xfrm>
+      </p:grpSpPr>
+      <p:sp>
+        <p:nvSpPr>
+          <p:cNvPr id="4" name="Title 3"/>
+          <p:cNvSpPr>
+            <a:spLocks noGrp="1"/>
+          </p:cNvSpPr>
+          <p:nvPr>
+            <p:ph type="ctrTitle"/>
+          </p:nvPr>
+        </p:nvSpPr>
+        <p:spPr/>
+        <p:txBody>
+          <a:bodyPr>
+            <a:normAutofit fontScale="90000"/>
+          </a:bodyPr>
+          <a:lstStyle/>
+          <a:p>
+            <a:r>
+              <a:rPr lang="en-IN" i="1" dirty="0" smtClean="0"/>
+              <a:t>Average number of reviews in neighbourhood groups</a:t>
+            </a:r>
+            <a:endParaRPr lang="en-IN" i="1" dirty="0"/>
+          </a:p>
+        </p:txBody>
+      </p:sp>
+      <p:sp>
+        <p:nvSpPr>
+          <p:cNvPr id="5" name="Subtitle 4"/>
+          <p:cNvSpPr>
+            <a:spLocks noGrp="1"/>
+          </p:cNvSpPr>
+          <p:nvPr>
+            <p:ph type="subTitle" idx="1"/>
+          </p:nvPr>
+        </p:nvSpPr>
+        <p:spPr/>
+        <p:txBody>
+          <a:bodyPr/>
+          <a:lstStyle/>
+          <a:p>
+            <a:r>
+              <a:rPr lang="en-IN" dirty="0" smtClean="0"/>
+              <a:t>From the above graph we can figure out that Staten Island has the highest number of average reviews followed by Queens.</a:t>
+            </a:r>
+            <a:endParaRPr lang="en-IN" dirty="0"/>
+          </a:p>
+        </p:txBody>
+      </p:sp>
+      <p:pic>
+        <p:nvPicPr>
+          <p:cNvPr id="6" name="Picture 5"/>
+          <p:cNvPicPr>
+            <a:picLocks noChangeAspect="1"/>
+          </p:cNvPicPr>
+          <p:nvPr/>
+        </p:nvPicPr>
+        <p:blipFill>
+          <a:blip r:embed="rId2"/>
+          <a:stretch>
+            <a:fillRect/>
+          </a:stretch>
+        </p:blipFill>
+        <p:spPr>
+          <a:xfrm>
+            <a:off x="8685212" y="0"/>
+            <a:ext cx="3506788" cy="4783015"/>
+          </a:xfrm>
+          <a:prstGeom prst="rect">
+            <a:avLst/>
+          </a:prstGeom>
+        </p:spPr>
+      </p:pic>
+    </p:spTree>
+    <p:extLst>
+      <p:ext uri="{BB962C8B-B14F-4D97-AF65-F5344CB8AC3E}">
+        <p14:creationId xmlns:p14="http://schemas.microsoft.com/office/powerpoint/2010/main" val="255977119"/>
+      </p:ext>
+    </p:extLst>
+  </p:cSld>
+  <p:clrMapOvr>
+    <a:masterClrMapping/>
+  </p:clrMapOvr>
+</p:sld>
+</file>
+
+<file path=ppt/slides/slide14.xml><?xml version="1.0" encoding="utf-8"?>
+<p:sld xmlns:a="http://schemas.openxmlformats.org/drawingml/2006/main" xmlns:r="http://schemas.openxmlformats.org/officeDocument/2006/relationships" xmlns:p="http://schemas.openxmlformats.org/presentationml/2006/main">
+  <p:cSld>
+    <p:spTree>
+      <p:nvGrpSpPr>
+        <p:cNvPr id="1" name=""/>
+        <p:cNvGrpSpPr/>
+        <p:nvPr/>
+      </p:nvGrpSpPr>
+      <p:grpSpPr>
+        <a:xfrm>
+          <a:off x="0" y="0"/>
+          <a:ext cx="0" cy="0"/>
+          <a:chOff x="0" y="0"/>
+          <a:chExt cx="0" cy="0"/>
+        </a:xfrm>
+      </p:grpSpPr>
+      <p:sp>
+        <p:nvSpPr>
+          <p:cNvPr id="4" name="Title 3"/>
+          <p:cNvSpPr>
+            <a:spLocks noGrp="1"/>
+          </p:cNvSpPr>
+          <p:nvPr>
+            <p:ph type="ctrTitle"/>
+          </p:nvPr>
+        </p:nvSpPr>
+        <p:spPr/>
+        <p:txBody>
+          <a:bodyPr/>
+          <a:lstStyle/>
+          <a:p>
+            <a:r>
+              <a:rPr lang="en-IN" i="1" dirty="0" smtClean="0"/>
+              <a:t>Top 10 Demanded hotels in neighbourhood</a:t>
+            </a:r>
+            <a:endParaRPr lang="en-IN" i="1" dirty="0"/>
+          </a:p>
+        </p:txBody>
+      </p:sp>
+      <p:sp>
+        <p:nvSpPr>
+          <p:cNvPr id="5" name="Subtitle 4"/>
+          <p:cNvSpPr>
+            <a:spLocks noGrp="1"/>
+          </p:cNvSpPr>
+          <p:nvPr>
+            <p:ph type="subTitle" idx="1"/>
+          </p:nvPr>
+        </p:nvSpPr>
+        <p:spPr/>
+        <p:txBody>
+          <a:bodyPr>
+            <a:normAutofit lnSpcReduction="10000"/>
+          </a:bodyPr>
+          <a:lstStyle/>
+          <a:p>
+            <a:r>
+              <a:rPr lang="en-IN" dirty="0" smtClean="0"/>
+              <a:t>From the above graph we can figure out is that Williamsburg followed by Belfort Stuyvesant has the highest demand and both these hotels are located in Brooklyn . So we can figure out that Brooklyn is one of the demanded places in the neighbourhood.</a:t>
+            </a:r>
+            <a:endParaRPr lang="en-IN" dirty="0"/>
+          </a:p>
+        </p:txBody>
+      </p:sp>
+      <p:pic>
+        <p:nvPicPr>
+          <p:cNvPr id="6" name="Picture 5"/>
+          <p:cNvPicPr>
+            <a:picLocks noChangeAspect="1"/>
+          </p:cNvPicPr>
+          <p:nvPr/>
+        </p:nvPicPr>
+        <p:blipFill>
+          <a:blip r:embed="rId2"/>
+          <a:stretch>
+            <a:fillRect/>
+          </a:stretch>
+        </p:blipFill>
+        <p:spPr>
+          <a:xfrm>
+            <a:off x="8685211" y="0"/>
+            <a:ext cx="3506789" cy="4501662"/>
+          </a:xfrm>
+          <a:prstGeom prst="rect">
+            <a:avLst/>
+          </a:prstGeom>
+        </p:spPr>
+      </p:pic>
+    </p:spTree>
+    <p:extLst>
+      <p:ext uri="{BB962C8B-B14F-4D97-AF65-F5344CB8AC3E}">
+        <p14:creationId xmlns:p14="http://schemas.microsoft.com/office/powerpoint/2010/main" val="1183172710"/>
+      </p:ext>
+    </p:extLst>
+  </p:cSld>
+  <p:clrMapOvr>
+    <a:masterClrMapping/>
+  </p:clrMapOvr>
+</p:sld>
+</file>
+
+<file path=ppt/slides/slide15.xml><?xml version="1.0" encoding="utf-8"?>
+<p:sld xmlns:a="http://schemas.openxmlformats.org/drawingml/2006/main" xmlns:r="http://schemas.openxmlformats.org/officeDocument/2006/relationships" xmlns:p="http://schemas.openxmlformats.org/presentationml/2006/main">
+  <p:cSld>
+    <p:spTree>
+      <p:nvGrpSpPr>
+        <p:cNvPr id="1" name=""/>
+        <p:cNvGrpSpPr/>
+        <p:nvPr/>
+      </p:nvGrpSpPr>
+      <p:grpSpPr>
+        <a:xfrm>
+          <a:off x="0" y="0"/>
+          <a:ext cx="0" cy="0"/>
+          <a:chOff x="0" y="0"/>
+          <a:chExt cx="0" cy="0"/>
+        </a:xfrm>
+      </p:grpSpPr>
+      <p:sp>
+        <p:nvSpPr>
+          <p:cNvPr id="4" name="Title 3"/>
+          <p:cNvSpPr>
+            <a:spLocks noGrp="1"/>
+          </p:cNvSpPr>
+          <p:nvPr>
+            <p:ph type="ctrTitle"/>
+          </p:nvPr>
+        </p:nvSpPr>
+        <p:spPr/>
+        <p:txBody>
+          <a:bodyPr/>
+          <a:lstStyle/>
+          <a:p>
+            <a:r>
+              <a:rPr lang="en-IN" i="1" dirty="0" smtClean="0"/>
+              <a:t>Room types in </a:t>
+            </a:r>
+            <a:r>
+              <a:rPr lang="en-IN" i="1" dirty="0" err="1" smtClean="0"/>
+              <a:t>airbnb</a:t>
+            </a:r>
+            <a:endParaRPr lang="en-IN" i="1" dirty="0"/>
+          </a:p>
+        </p:txBody>
+      </p:sp>
+      <p:sp>
+        <p:nvSpPr>
+          <p:cNvPr id="5" name="Subtitle 4"/>
+          <p:cNvSpPr>
+            <a:spLocks noGrp="1"/>
+          </p:cNvSpPr>
+          <p:nvPr>
+            <p:ph type="subTitle" idx="1"/>
+          </p:nvPr>
+        </p:nvSpPr>
+        <p:spPr/>
+        <p:txBody>
+          <a:bodyPr/>
+          <a:lstStyle/>
+          <a:p>
+            <a:r>
+              <a:rPr lang="en-IN" dirty="0" smtClean="0"/>
+              <a:t>From the above graph we can see that Entire home/apt rooms are more in number as compared to the other two room types which says that tourist or family visits are more than official visits.</a:t>
+            </a:r>
+            <a:endParaRPr lang="en-IN" dirty="0"/>
+          </a:p>
+        </p:txBody>
+      </p:sp>
+      <p:pic>
+        <p:nvPicPr>
+          <p:cNvPr id="6" name="Picture 5"/>
+          <p:cNvPicPr>
+            <a:picLocks noChangeAspect="1"/>
+          </p:cNvPicPr>
+          <p:nvPr/>
+        </p:nvPicPr>
+        <p:blipFill>
+          <a:blip r:embed="rId2"/>
+          <a:stretch>
+            <a:fillRect/>
+          </a:stretch>
+        </p:blipFill>
+        <p:spPr>
+          <a:xfrm>
+            <a:off x="8685212" y="0"/>
+            <a:ext cx="3506788" cy="4079631"/>
+          </a:xfrm>
+          <a:prstGeom prst="rect">
+            <a:avLst/>
+          </a:prstGeom>
+        </p:spPr>
+      </p:pic>
+    </p:spTree>
+    <p:extLst>
+      <p:ext uri="{BB962C8B-B14F-4D97-AF65-F5344CB8AC3E}">
+        <p14:creationId xmlns:p14="http://schemas.microsoft.com/office/powerpoint/2010/main" val="1957533381"/>
+      </p:ext>
+    </p:extLst>
+  </p:cSld>
+  <p:clrMapOvr>
+    <a:masterClrMapping/>
+  </p:clrMapOvr>
+</p:sld>
+</file>
+
+<file path=ppt/slides/slide16.xml><?xml version="1.0" encoding="utf-8"?>
+<p:sld xmlns:a="http://schemas.openxmlformats.org/drawingml/2006/main" xmlns:r="http://schemas.openxmlformats.org/officeDocument/2006/relationships" xmlns:p="http://schemas.openxmlformats.org/presentationml/2006/main">
+  <p:cSld>
+    <p:spTree>
+      <p:nvGrpSpPr>
+        <p:cNvPr id="1" name=""/>
+        <p:cNvGrpSpPr/>
+        <p:nvPr/>
+      </p:nvGrpSpPr>
+      <p:grpSpPr>
+        <a:xfrm>
+          <a:off x="0" y="0"/>
+          <a:ext cx="0" cy="0"/>
+          <a:chOff x="0" y="0"/>
+          <a:chExt cx="0" cy="0"/>
+        </a:xfrm>
+      </p:grpSpPr>
+      <p:sp>
+        <p:nvSpPr>
+          <p:cNvPr id="5" name="Title 4"/>
+          <p:cNvSpPr>
+            <a:spLocks noGrp="1"/>
+          </p:cNvSpPr>
+          <p:nvPr>
+            <p:ph type="ctrTitle"/>
+          </p:nvPr>
+        </p:nvSpPr>
+        <p:spPr/>
+        <p:txBody>
+          <a:bodyPr/>
+          <a:lstStyle/>
+          <a:p>
+            <a:r>
+              <a:rPr lang="en-IN" i="1" dirty="0" smtClean="0"/>
+              <a:t>Availability of type of rooms in neighbourhood group</a:t>
+            </a:r>
+            <a:endParaRPr lang="en-IN" i="1" dirty="0"/>
+          </a:p>
+        </p:txBody>
+      </p:sp>
+      <p:sp>
+        <p:nvSpPr>
+          <p:cNvPr id="6" name="Subtitle 5"/>
+          <p:cNvSpPr>
+            <a:spLocks noGrp="1"/>
+          </p:cNvSpPr>
+          <p:nvPr>
+            <p:ph type="subTitle" idx="1"/>
+          </p:nvPr>
+        </p:nvSpPr>
+        <p:spPr/>
+        <p:txBody>
+          <a:bodyPr>
+            <a:normAutofit lnSpcReduction="10000"/>
+          </a:bodyPr>
+          <a:lstStyle/>
+          <a:p>
+            <a:r>
+              <a:rPr lang="en-IN" dirty="0" smtClean="0"/>
+              <a:t>From the above graph we can figure out that entire home/ apt was booked most of the times followed by private room. As stated in the previous slide we can figure out that there are more number of tourist or family visits as compared to official visits.</a:t>
+            </a:r>
+            <a:endParaRPr lang="en-IN" dirty="0"/>
+          </a:p>
+        </p:txBody>
+      </p:sp>
+      <p:pic>
+        <p:nvPicPr>
+          <p:cNvPr id="4" name="Picture 3"/>
+          <p:cNvPicPr>
+            <a:picLocks noChangeAspect="1"/>
+          </p:cNvPicPr>
+          <p:nvPr/>
+        </p:nvPicPr>
+        <p:blipFill>
+          <a:blip r:embed="rId2"/>
+          <a:stretch>
+            <a:fillRect/>
+          </a:stretch>
+        </p:blipFill>
+        <p:spPr>
+          <a:xfrm>
+            <a:off x="9218612" y="1128712"/>
+            <a:ext cx="2973387" cy="3172355"/>
+          </a:xfrm>
+          <a:prstGeom prst="rect">
+            <a:avLst/>
+          </a:prstGeom>
+        </p:spPr>
+      </p:pic>
+    </p:spTree>
+    <p:extLst>
+      <p:ext uri="{BB962C8B-B14F-4D97-AF65-F5344CB8AC3E}">
+        <p14:creationId xmlns:p14="http://schemas.microsoft.com/office/powerpoint/2010/main" val="1931133186"/>
+      </p:ext>
+    </p:extLst>
+  </p:cSld>
+  <p:clrMapOvr>
+    <a:masterClrMapping/>
+  </p:clrMapOvr>
+  <p:timing>
+    <p:tnLst>
+      <p:par>
+        <p:cTn id="1" dur="indefinite" restart="never" nodeType="tmRoot"/>
+      </p:par>
+    </p:tnLst>
+  </p:timing>
+</p:sld>
+</file>
+
+<file path=ppt/slides/slide17.xml><?xml version="1.0" encoding="utf-8"?>
+<p:sld xmlns:a="http://schemas.openxmlformats.org/drawingml/2006/main" xmlns:r="http://schemas.openxmlformats.org/officeDocument/2006/relationships" xmlns:p="http://schemas.openxmlformats.org/presentationml/2006/main">
+  <p:cSld>
+    <p:spTree>
+      <p:nvGrpSpPr>
+        <p:cNvPr id="1" name=""/>
+        <p:cNvGrpSpPr/>
+        <p:nvPr/>
+      </p:nvGrpSpPr>
+      <p:grpSpPr>
+        <a:xfrm>
+          <a:off x="0" y="0"/>
+          <a:ext cx="0" cy="0"/>
+          <a:chOff x="0" y="0"/>
+          <a:chExt cx="0" cy="0"/>
+        </a:xfrm>
+      </p:grpSpPr>
+      <p:sp>
+        <p:nvSpPr>
+          <p:cNvPr id="5" name="Title 4"/>
+          <p:cNvSpPr>
+            <a:spLocks noGrp="1"/>
+          </p:cNvSpPr>
+          <p:nvPr>
+            <p:ph type="ctrTitle"/>
+          </p:nvPr>
+        </p:nvSpPr>
+        <p:spPr/>
+        <p:txBody>
+          <a:bodyPr>
+            <a:normAutofit fontScale="90000"/>
+          </a:bodyPr>
+          <a:lstStyle/>
+          <a:p>
+            <a:r>
+              <a:rPr lang="en-IN" i="1" dirty="0" smtClean="0"/>
+              <a:t>Comparison of prices of different type of rooms in neighbourhood groups</a:t>
+            </a:r>
+            <a:endParaRPr lang="en-IN" i="1" dirty="0"/>
+          </a:p>
+        </p:txBody>
+      </p:sp>
+      <p:sp>
+        <p:nvSpPr>
+          <p:cNvPr id="6" name="Subtitle 5"/>
+          <p:cNvSpPr>
+            <a:spLocks noGrp="1"/>
+          </p:cNvSpPr>
+          <p:nvPr>
+            <p:ph type="subTitle" idx="1"/>
+          </p:nvPr>
+        </p:nvSpPr>
+        <p:spPr/>
+        <p:txBody>
+          <a:bodyPr>
+            <a:normAutofit lnSpcReduction="10000"/>
+          </a:bodyPr>
+          <a:lstStyle/>
+          <a:p>
+            <a:r>
+              <a:rPr lang="en-IN" dirty="0" smtClean="0"/>
+              <a:t>From the above graph we figure out that price of Entire home/ apt was higher in all neighbourhood groups followed by private room. This shows that the demand of entire room/apt was more as compared to the other two types of rooms.</a:t>
+            </a:r>
+            <a:endParaRPr lang="en-IN" dirty="0"/>
+          </a:p>
+        </p:txBody>
+      </p:sp>
+      <p:pic>
+        <p:nvPicPr>
+          <p:cNvPr id="7" name="Picture 6"/>
+          <p:cNvPicPr>
+            <a:picLocks noChangeAspect="1"/>
+          </p:cNvPicPr>
+          <p:nvPr/>
+        </p:nvPicPr>
+        <p:blipFill>
+          <a:blip r:embed="rId2"/>
+          <a:stretch>
+            <a:fillRect/>
+          </a:stretch>
+        </p:blipFill>
+        <p:spPr>
+          <a:xfrm>
+            <a:off x="8554915" y="0"/>
+            <a:ext cx="3637086" cy="5143501"/>
+          </a:xfrm>
+          <a:prstGeom prst="rect">
+            <a:avLst/>
+          </a:prstGeom>
+        </p:spPr>
+      </p:pic>
+    </p:spTree>
+    <p:extLst>
+      <p:ext uri="{BB962C8B-B14F-4D97-AF65-F5344CB8AC3E}">
+        <p14:creationId xmlns:p14="http://schemas.microsoft.com/office/powerpoint/2010/main" val="3227866582"/>
+      </p:ext>
+    </p:extLst>
+  </p:cSld>
+  <p:clrMapOvr>
+    <a:masterClrMapping/>
+  </p:clrMapOvr>
+  <p:timing>
+    <p:tnLst>
+      <p:par>
+        <p:cTn id="1" dur="indefinite" restart="never" nodeType="tmRoot"/>
+      </p:par>
+    </p:tnLst>
+  </p:timing>
+</p:sld>
+</file>
+
+<file path=ppt/slides/slide18.xml><?xml version="1.0" encoding="utf-8"?>
+<p:sld xmlns:a="http://schemas.openxmlformats.org/drawingml/2006/main" xmlns:r="http://schemas.openxmlformats.org/officeDocument/2006/relationships" xmlns:p="http://schemas.openxmlformats.org/presentationml/2006/main">
+  <p:cSld>
+    <p:spTree>
+      <p:nvGrpSpPr>
+        <p:cNvPr id="1" name=""/>
+        <p:cNvGrpSpPr/>
+        <p:nvPr/>
+      </p:nvGrpSpPr>
+      <p:grpSpPr>
+        <a:xfrm>
+          <a:off x="0" y="0"/>
+          <a:ext cx="0" cy="0"/>
+          <a:chOff x="0" y="0"/>
+          <a:chExt cx="0" cy="0"/>
+        </a:xfrm>
+      </p:grpSpPr>
+      <p:sp>
+        <p:nvSpPr>
+          <p:cNvPr id="4" name="Title 3"/>
+          <p:cNvSpPr>
+            <a:spLocks noGrp="1"/>
+          </p:cNvSpPr>
+          <p:nvPr>
+            <p:ph type="ctrTitle"/>
+          </p:nvPr>
+        </p:nvSpPr>
+        <p:spPr/>
+        <p:txBody>
+          <a:bodyPr/>
+          <a:lstStyle/>
+          <a:p>
+            <a:r>
+              <a:rPr lang="en-IN" dirty="0" smtClean="0"/>
+              <a:t>Average nights stayed at different room types</a:t>
+            </a:r>
+            <a:endParaRPr lang="en-IN" dirty="0"/>
+          </a:p>
+        </p:txBody>
+      </p:sp>
+      <p:sp>
+        <p:nvSpPr>
+          <p:cNvPr id="5" name="Subtitle 4"/>
+          <p:cNvSpPr>
+            <a:spLocks noGrp="1"/>
+          </p:cNvSpPr>
+          <p:nvPr>
+            <p:ph type="subTitle" idx="1"/>
+          </p:nvPr>
+        </p:nvSpPr>
+        <p:spPr/>
+        <p:txBody>
+          <a:bodyPr>
+            <a:normAutofit lnSpcReduction="10000"/>
+          </a:bodyPr>
+          <a:lstStyle/>
+          <a:p>
+            <a:r>
+              <a:rPr lang="en-IN" dirty="0" smtClean="0"/>
+              <a:t>The observation is similar to that in the previous graphs </a:t>
+            </a:r>
+            <a:r>
+              <a:rPr lang="en-IN" dirty="0" err="1" smtClean="0"/>
+              <a:t>i.e</a:t>
+            </a:r>
+            <a:r>
+              <a:rPr lang="en-IN" dirty="0" smtClean="0"/>
+              <a:t> entire home/apt night </a:t>
+            </a:r>
+            <a:r>
+              <a:rPr lang="en-IN" dirty="0" err="1" smtClean="0"/>
+              <a:t>stayings</a:t>
+            </a:r>
+            <a:r>
+              <a:rPr lang="en-IN" dirty="0" smtClean="0"/>
+              <a:t> are more as compared to the other two room types as there are possibilities of family and tourist visits to be more than that of visits regarding official purpose. </a:t>
+            </a:r>
+            <a:endParaRPr lang="en-IN" dirty="0"/>
+          </a:p>
+        </p:txBody>
+      </p:sp>
+      <p:pic>
+        <p:nvPicPr>
+          <p:cNvPr id="6" name="Picture 5"/>
+          <p:cNvPicPr>
+            <a:picLocks noChangeAspect="1"/>
+          </p:cNvPicPr>
+          <p:nvPr/>
+        </p:nvPicPr>
+        <p:blipFill>
+          <a:blip r:embed="rId2"/>
+          <a:stretch>
+            <a:fillRect/>
+          </a:stretch>
+        </p:blipFill>
+        <p:spPr>
+          <a:xfrm>
+            <a:off x="8685212" y="0"/>
+            <a:ext cx="3506787" cy="4941277"/>
+          </a:xfrm>
+          <a:prstGeom prst="rect">
+            <a:avLst/>
+          </a:prstGeom>
+        </p:spPr>
+      </p:pic>
+    </p:spTree>
+    <p:extLst>
+      <p:ext uri="{BB962C8B-B14F-4D97-AF65-F5344CB8AC3E}">
+        <p14:creationId xmlns:p14="http://schemas.microsoft.com/office/powerpoint/2010/main" val="3877397961"/>
+      </p:ext>
+    </p:extLst>
+  </p:cSld>
+  <p:clrMapOvr>
+    <a:masterClrMapping/>
+  </p:clrMapOvr>
+</p:sld>
+</file>
+
+<file path=ppt/slides/slide19.xml><?xml version="1.0" encoding="utf-8"?>
+<p:sld xmlns:a="http://schemas.openxmlformats.org/drawingml/2006/main" xmlns:r="http://schemas.openxmlformats.org/officeDocument/2006/relationships" xmlns:p="http://schemas.openxmlformats.org/presentationml/2006/main">
+  <p:cSld>
+    <p:spTree>
+      <p:nvGrpSpPr>
+        <p:cNvPr id="1" name=""/>
+        <p:cNvGrpSpPr/>
+        <p:nvPr/>
+      </p:nvGrpSpPr>
+      <p:grpSpPr>
+        <a:xfrm>
+          <a:off x="0" y="0"/>
+          <a:ext cx="0" cy="0"/>
+          <a:chOff x="0" y="0"/>
+          <a:chExt cx="0" cy="0"/>
+        </a:xfrm>
+      </p:grpSpPr>
+      <p:sp>
+        <p:nvSpPr>
+          <p:cNvPr id="4" name="Title 3"/>
+          <p:cNvSpPr>
+            <a:spLocks noGrp="1"/>
+          </p:cNvSpPr>
+          <p:nvPr>
+            <p:ph type="ctrTitle"/>
+          </p:nvPr>
+        </p:nvSpPr>
+        <p:spPr/>
+        <p:txBody>
+          <a:bodyPr/>
+          <a:lstStyle/>
+          <a:p>
+            <a:r>
+              <a:rPr lang="en-IN" i="1" dirty="0" smtClean="0"/>
+              <a:t>Average number of host stayed at different room types</a:t>
+            </a:r>
+            <a:endParaRPr lang="en-IN" i="1" dirty="0"/>
+          </a:p>
+        </p:txBody>
+      </p:sp>
+      <p:sp>
+        <p:nvSpPr>
+          <p:cNvPr id="5" name="Subtitle 4"/>
+          <p:cNvSpPr>
+            <a:spLocks noGrp="1"/>
+          </p:cNvSpPr>
+          <p:nvPr>
+            <p:ph type="subTitle" idx="1"/>
+          </p:nvPr>
+        </p:nvSpPr>
+        <p:spPr/>
+        <p:txBody>
+          <a:bodyPr/>
+          <a:lstStyle/>
+          <a:p>
+            <a:r>
+              <a:rPr lang="en-IN" dirty="0" smtClean="0"/>
+              <a:t>Hosts </a:t>
+            </a:r>
+            <a:r>
+              <a:rPr lang="en-IN" dirty="0" err="1" smtClean="0"/>
+              <a:t>i.e</a:t>
+            </a:r>
+            <a:r>
+              <a:rPr lang="en-IN" dirty="0" smtClean="0"/>
+              <a:t> guests preferred entire home/apt more than other rooms . It can be said that these guests might be travelling with family or friends rather than travelling alone.</a:t>
+            </a:r>
+            <a:endParaRPr lang="en-IN" dirty="0"/>
+          </a:p>
+        </p:txBody>
+      </p:sp>
+      <p:pic>
+        <p:nvPicPr>
+          <p:cNvPr id="6" name="Picture 5"/>
+          <p:cNvPicPr>
+            <a:picLocks noChangeAspect="1"/>
+          </p:cNvPicPr>
+          <p:nvPr/>
+        </p:nvPicPr>
+        <p:blipFill>
+          <a:blip r:embed="rId2"/>
+          <a:stretch>
+            <a:fillRect/>
+          </a:stretch>
+        </p:blipFill>
+        <p:spPr>
+          <a:xfrm>
+            <a:off x="8685212" y="0"/>
+            <a:ext cx="3506788" cy="5143500"/>
+          </a:xfrm>
+          <a:prstGeom prst="rect">
+            <a:avLst/>
+          </a:prstGeom>
+        </p:spPr>
+      </p:pic>
+    </p:spTree>
+    <p:extLst>
+      <p:ext uri="{BB962C8B-B14F-4D97-AF65-F5344CB8AC3E}">
+        <p14:creationId xmlns:p14="http://schemas.microsoft.com/office/powerpoint/2010/main" val="2691155131"/>
+      </p:ext>
+    </p:extLst>
+  </p:cSld>
+  <p:clrMapOvr>
+    <a:masterClrMapping/>
+  </p:clrMapOvr>
+</p:sld>
+</file>
+
 <file path=ppt/slides/slide2.xml><?xml version="1.0" encoding="utf-8"?>
 <p:sld xmlns:a="http://schemas.openxmlformats.org/drawingml/2006/main" xmlns:r="http://schemas.openxmlformats.org/officeDocument/2006/relationships" xmlns:p="http://schemas.openxmlformats.org/presentationml/2006/main">
   <p:cSld>
@@ -5564,6 +6644,300 @@
       </p:par>
     </p:tnLst>
   </p:timing>
+</p:sld>
+</file>
+
+<file path=ppt/slides/slide20.xml><?xml version="1.0" encoding="utf-8"?>
+<p:sld xmlns:a="http://schemas.openxmlformats.org/drawingml/2006/main" xmlns:r="http://schemas.openxmlformats.org/officeDocument/2006/relationships" xmlns:p="http://schemas.openxmlformats.org/presentationml/2006/main">
+  <p:cSld>
+    <p:spTree>
+      <p:nvGrpSpPr>
+        <p:cNvPr id="1" name=""/>
+        <p:cNvGrpSpPr/>
+        <p:nvPr/>
+      </p:nvGrpSpPr>
+      <p:grpSpPr>
+        <a:xfrm>
+          <a:off x="0" y="0"/>
+          <a:ext cx="0" cy="0"/>
+          <a:chOff x="0" y="0"/>
+          <a:chExt cx="0" cy="0"/>
+        </a:xfrm>
+      </p:grpSpPr>
+      <p:sp>
+        <p:nvSpPr>
+          <p:cNvPr id="4" name="Title 3"/>
+          <p:cNvSpPr>
+            <a:spLocks noGrp="1"/>
+          </p:cNvSpPr>
+          <p:nvPr>
+            <p:ph type="ctrTitle"/>
+          </p:nvPr>
+        </p:nvSpPr>
+        <p:spPr/>
+        <p:txBody>
+          <a:bodyPr/>
+          <a:lstStyle/>
+          <a:p>
+            <a:r>
+              <a:rPr lang="en-IN" i="1" dirty="0" smtClean="0"/>
+              <a:t>Availability of room types</a:t>
+            </a:r>
+            <a:endParaRPr lang="en-IN" i="1" dirty="0"/>
+          </a:p>
+        </p:txBody>
+      </p:sp>
+      <p:sp>
+        <p:nvSpPr>
+          <p:cNvPr id="5" name="Subtitle 4"/>
+          <p:cNvSpPr>
+            <a:spLocks noGrp="1"/>
+          </p:cNvSpPr>
+          <p:nvPr>
+            <p:ph type="subTitle" idx="1"/>
+          </p:nvPr>
+        </p:nvSpPr>
+        <p:spPr/>
+        <p:txBody>
+          <a:bodyPr>
+            <a:normAutofit lnSpcReduction="10000"/>
+          </a:bodyPr>
+          <a:lstStyle/>
+          <a:p>
+            <a:r>
+              <a:rPr lang="en-IN" dirty="0" smtClean="0"/>
+              <a:t>The above graph shows the availability of room types and it can be inferred that shared room availability was more than the other two types of room. This is because the bookings of the shared room done were less as compared to the other room types.</a:t>
+            </a:r>
+            <a:endParaRPr lang="en-IN" dirty="0"/>
+          </a:p>
+        </p:txBody>
+      </p:sp>
+      <p:pic>
+        <p:nvPicPr>
+          <p:cNvPr id="6" name="Picture 5"/>
+          <p:cNvPicPr>
+            <a:picLocks noChangeAspect="1"/>
+          </p:cNvPicPr>
+          <p:nvPr/>
+        </p:nvPicPr>
+        <p:blipFill>
+          <a:blip r:embed="rId2"/>
+          <a:stretch>
+            <a:fillRect/>
+          </a:stretch>
+        </p:blipFill>
+        <p:spPr>
+          <a:xfrm>
+            <a:off x="8685212" y="0"/>
+            <a:ext cx="3506788" cy="4835769"/>
+          </a:xfrm>
+          <a:prstGeom prst="rect">
+            <a:avLst/>
+          </a:prstGeom>
+        </p:spPr>
+      </p:pic>
+    </p:spTree>
+    <p:extLst>
+      <p:ext uri="{BB962C8B-B14F-4D97-AF65-F5344CB8AC3E}">
+        <p14:creationId xmlns:p14="http://schemas.microsoft.com/office/powerpoint/2010/main" val="835888496"/>
+      </p:ext>
+    </p:extLst>
+  </p:cSld>
+  <p:clrMapOvr>
+    <a:masterClrMapping/>
+  </p:clrMapOvr>
+</p:sld>
+</file>
+
+<file path=ppt/slides/slide21.xml><?xml version="1.0" encoding="utf-8"?>
+<p:sld xmlns:a="http://schemas.openxmlformats.org/drawingml/2006/main" xmlns:r="http://schemas.openxmlformats.org/officeDocument/2006/relationships" xmlns:p="http://schemas.openxmlformats.org/presentationml/2006/main">
+  <p:cSld>
+    <p:spTree>
+      <p:nvGrpSpPr>
+        <p:cNvPr id="1" name=""/>
+        <p:cNvGrpSpPr/>
+        <p:nvPr/>
+      </p:nvGrpSpPr>
+      <p:grpSpPr>
+        <a:xfrm>
+          <a:off x="0" y="0"/>
+          <a:ext cx="0" cy="0"/>
+          <a:chOff x="0" y="0"/>
+          <a:chExt cx="0" cy="0"/>
+        </a:xfrm>
+      </p:grpSpPr>
+      <p:sp>
+        <p:nvSpPr>
+          <p:cNvPr id="4" name="Title 3"/>
+          <p:cNvSpPr>
+            <a:spLocks noGrp="1"/>
+          </p:cNvSpPr>
+          <p:nvPr>
+            <p:ph type="ctrTitle"/>
+          </p:nvPr>
+        </p:nvSpPr>
+        <p:spPr/>
+        <p:txBody>
+          <a:bodyPr/>
+          <a:lstStyle/>
+          <a:p>
+            <a:r>
+              <a:rPr lang="en-IN" i="1" dirty="0" smtClean="0"/>
+              <a:t>Average number of reviews in different room types</a:t>
+            </a:r>
+            <a:endParaRPr lang="en-IN" i="1" dirty="0"/>
+          </a:p>
+        </p:txBody>
+      </p:sp>
+      <p:sp>
+        <p:nvSpPr>
+          <p:cNvPr id="5" name="Subtitle 4"/>
+          <p:cNvSpPr>
+            <a:spLocks noGrp="1"/>
+          </p:cNvSpPr>
+          <p:nvPr>
+            <p:ph type="subTitle" idx="1"/>
+          </p:nvPr>
+        </p:nvSpPr>
+        <p:spPr/>
+        <p:txBody>
+          <a:bodyPr/>
+          <a:lstStyle/>
+          <a:p>
+            <a:r>
+              <a:rPr lang="en-IN" dirty="0" smtClean="0"/>
+              <a:t>We can see that reviews for private room was more as compared to the room of other two types.</a:t>
+            </a:r>
+            <a:endParaRPr lang="en-IN" dirty="0"/>
+          </a:p>
+        </p:txBody>
+      </p:sp>
+      <p:pic>
+        <p:nvPicPr>
+          <p:cNvPr id="6" name="Picture 5"/>
+          <p:cNvPicPr>
+            <a:picLocks noChangeAspect="1"/>
+          </p:cNvPicPr>
+          <p:nvPr/>
+        </p:nvPicPr>
+        <p:blipFill>
+          <a:blip r:embed="rId2"/>
+          <a:stretch>
+            <a:fillRect/>
+          </a:stretch>
+        </p:blipFill>
+        <p:spPr>
+          <a:xfrm>
+            <a:off x="8669215" y="0"/>
+            <a:ext cx="3522785" cy="4809392"/>
+          </a:xfrm>
+          <a:prstGeom prst="rect">
+            <a:avLst/>
+          </a:prstGeom>
+        </p:spPr>
+      </p:pic>
+    </p:spTree>
+    <p:extLst>
+      <p:ext uri="{BB962C8B-B14F-4D97-AF65-F5344CB8AC3E}">
+        <p14:creationId xmlns:p14="http://schemas.microsoft.com/office/powerpoint/2010/main" val="714546415"/>
+      </p:ext>
+    </p:extLst>
+  </p:cSld>
+  <p:clrMapOvr>
+    <a:masterClrMapping/>
+  </p:clrMapOvr>
+</p:sld>
+</file>
+
+<file path=ppt/slides/slide22.xml><?xml version="1.0" encoding="utf-8"?>
+<p:sld xmlns:a="http://schemas.openxmlformats.org/drawingml/2006/main" xmlns:r="http://schemas.openxmlformats.org/officeDocument/2006/relationships" xmlns:p="http://schemas.openxmlformats.org/presentationml/2006/main">
+  <p:cSld>
+    <p:spTree>
+      <p:nvGrpSpPr>
+        <p:cNvPr id="1" name=""/>
+        <p:cNvGrpSpPr/>
+        <p:nvPr/>
+      </p:nvGrpSpPr>
+      <p:grpSpPr>
+        <a:xfrm>
+          <a:off x="0" y="0"/>
+          <a:ext cx="0" cy="0"/>
+          <a:chOff x="0" y="0"/>
+          <a:chExt cx="0" cy="0"/>
+        </a:xfrm>
+      </p:grpSpPr>
+      <p:sp>
+        <p:nvSpPr>
+          <p:cNvPr id="4" name="Title 3"/>
+          <p:cNvSpPr>
+            <a:spLocks noGrp="1"/>
+          </p:cNvSpPr>
+          <p:nvPr>
+            <p:ph type="ctrTitle"/>
+          </p:nvPr>
+        </p:nvSpPr>
+        <p:spPr/>
+        <p:txBody>
+          <a:bodyPr/>
+          <a:lstStyle/>
+          <a:p>
+            <a:endParaRPr lang="en-IN"/>
+          </a:p>
+        </p:txBody>
+      </p:sp>
+      <p:sp>
+        <p:nvSpPr>
+          <p:cNvPr id="5" name="Subtitle 4"/>
+          <p:cNvSpPr>
+            <a:spLocks noGrp="1"/>
+          </p:cNvSpPr>
+          <p:nvPr>
+            <p:ph type="subTitle" idx="1"/>
+          </p:nvPr>
+        </p:nvSpPr>
+        <p:spPr/>
+        <p:txBody>
+          <a:bodyPr/>
+          <a:lstStyle/>
+          <a:p>
+            <a:endParaRPr lang="en-IN"/>
+          </a:p>
+        </p:txBody>
+      </p:sp>
+      <p:pic>
+        <p:nvPicPr>
+          <p:cNvPr id="6" name="Picture 5"/>
+          <p:cNvPicPr>
+            <a:picLocks noChangeAspect="1"/>
+          </p:cNvPicPr>
+          <p:nvPr/>
+        </p:nvPicPr>
+        <p:blipFill>
+          <a:blip r:embed="rId2"/>
+          <a:stretch>
+            <a:fillRect/>
+          </a:stretch>
+        </p:blipFill>
+        <p:spPr>
+          <a:xfrm>
+            <a:off x="8685211" y="1"/>
+            <a:ext cx="3506789" cy="3727937"/>
+          </a:xfrm>
+          <a:prstGeom prst="rect">
+            <a:avLst/>
+          </a:prstGeom>
+        </p:spPr>
+      </p:pic>
+    </p:spTree>
+    <p:extLst>
+      <p:ext uri="{BB962C8B-B14F-4D97-AF65-F5344CB8AC3E}">
+        <p14:creationId xmlns:p14="http://schemas.microsoft.com/office/powerpoint/2010/main" val="1457353735"/>
+      </p:ext>
+    </p:extLst>
+  </p:cSld>
+  <p:clrMapOvr>
+    <a:masterClrMapping/>
+  </p:clrMapOvr>
 </p:sld>
 </file>
 
@@ -6375,6 +7749,227 @@
       </p:par>
     </p:tnLst>
   </p:timing>
+</p:sld>
+</file>
+
+<file path=ppt/slides/slide8.xml><?xml version="1.0" encoding="utf-8"?>
+<p:sld xmlns:a="http://schemas.openxmlformats.org/drawingml/2006/main" xmlns:r="http://schemas.openxmlformats.org/officeDocument/2006/relationships" xmlns:p="http://schemas.openxmlformats.org/presentationml/2006/main">
+  <p:cSld>
+    <p:spTree>
+      <p:nvGrpSpPr>
+        <p:cNvPr id="1" name=""/>
+        <p:cNvGrpSpPr/>
+        <p:nvPr/>
+      </p:nvGrpSpPr>
+      <p:grpSpPr>
+        <a:xfrm>
+          <a:off x="0" y="0"/>
+          <a:ext cx="0" cy="0"/>
+          <a:chOff x="0" y="0"/>
+          <a:chExt cx="0" cy="0"/>
+        </a:xfrm>
+      </p:grpSpPr>
+      <p:sp>
+        <p:nvSpPr>
+          <p:cNvPr id="2" name="Title 1"/>
+          <p:cNvSpPr>
+            <a:spLocks noGrp="1"/>
+          </p:cNvSpPr>
+          <p:nvPr>
+            <p:ph type="ctrTitle"/>
+          </p:nvPr>
+        </p:nvSpPr>
+        <p:spPr/>
+        <p:txBody>
+          <a:bodyPr>
+            <a:normAutofit/>
+          </a:bodyPr>
+          <a:lstStyle/>
+          <a:p>
+            <a:r>
+              <a:rPr lang="en-IN" i="1" dirty="0" smtClean="0"/>
+              <a:t>Bookings in neighbourhood</a:t>
+            </a:r>
+            <a:r>
+              <a:rPr lang="en-IN" dirty="0" smtClean="0"/>
+              <a:t>.</a:t>
+            </a:r>
+            <a:endParaRPr lang="en-IN" dirty="0"/>
+          </a:p>
+        </p:txBody>
+      </p:sp>
+      <p:sp>
+        <p:nvSpPr>
+          <p:cNvPr id="6" name="Subtitle 5"/>
+          <p:cNvSpPr>
+            <a:spLocks noGrp="1"/>
+          </p:cNvSpPr>
+          <p:nvPr>
+            <p:ph type="subTitle" idx="1"/>
+          </p:nvPr>
+        </p:nvSpPr>
+        <p:spPr/>
+        <p:txBody>
+          <a:bodyPr/>
+          <a:lstStyle/>
+          <a:p>
+            <a:r>
+              <a:rPr lang="en-IN" sz="2400" i="1" dirty="0"/>
+              <a:t>We can see that in the neighbourhood group most of the bookings are done in Manhattan followed by </a:t>
+            </a:r>
+            <a:r>
+              <a:rPr lang="en-IN" sz="2400" i="1" dirty="0" smtClean="0"/>
+              <a:t>Brooklyn.</a:t>
+            </a:r>
+            <a:endParaRPr lang="en-IN" dirty="0"/>
+          </a:p>
+        </p:txBody>
+      </p:sp>
+      <p:pic>
+        <p:nvPicPr>
+          <p:cNvPr id="5" name="Content Placeholder 4"/>
+          <p:cNvPicPr>
+            <a:picLocks noGrp="1" noChangeAspect="1"/>
+          </p:cNvPicPr>
+          <p:nvPr>
+            <p:ph idx="4294967295"/>
+          </p:nvPr>
+        </p:nvPicPr>
+        <p:blipFill>
+          <a:blip r:embed="rId2"/>
+          <a:stretch>
+            <a:fillRect/>
+          </a:stretch>
+        </p:blipFill>
+        <p:spPr>
+          <a:xfrm>
+            <a:off x="7464914" y="198906"/>
+            <a:ext cx="3997325" cy="2913571"/>
+          </a:xfrm>
+          <a:prstGeom prst="rect">
+            <a:avLst/>
+          </a:prstGeom>
+        </p:spPr>
+      </p:pic>
+    </p:spTree>
+    <p:extLst>
+      <p:ext uri="{BB962C8B-B14F-4D97-AF65-F5344CB8AC3E}">
+        <p14:creationId xmlns:p14="http://schemas.microsoft.com/office/powerpoint/2010/main" val="1259152448"/>
+      </p:ext>
+    </p:extLst>
+  </p:cSld>
+  <p:clrMapOvr>
+    <a:masterClrMapping/>
+  </p:clrMapOvr>
+  <p:timing>
+    <p:tnLst>
+      <p:par>
+        <p:cTn id="1" dur="indefinite" restart="never" nodeType="tmRoot"/>
+      </p:par>
+    </p:tnLst>
+  </p:timing>
+</p:sld>
+</file>
+
+<file path=ppt/slides/slide9.xml><?xml version="1.0" encoding="utf-8"?>
+<p:sld xmlns:a="http://schemas.openxmlformats.org/drawingml/2006/main" xmlns:r="http://schemas.openxmlformats.org/officeDocument/2006/relationships" xmlns:p="http://schemas.openxmlformats.org/presentationml/2006/main">
+  <p:cSld>
+    <p:spTree>
+      <p:nvGrpSpPr>
+        <p:cNvPr id="1" name=""/>
+        <p:cNvGrpSpPr/>
+        <p:nvPr/>
+      </p:nvGrpSpPr>
+      <p:grpSpPr>
+        <a:xfrm>
+          <a:off x="0" y="0"/>
+          <a:ext cx="0" cy="0"/>
+          <a:chOff x="0" y="0"/>
+          <a:chExt cx="0" cy="0"/>
+        </a:xfrm>
+      </p:grpSpPr>
+      <p:sp>
+        <p:nvSpPr>
+          <p:cNvPr id="4" name="Title 3"/>
+          <p:cNvSpPr>
+            <a:spLocks noGrp="1"/>
+          </p:cNvSpPr>
+          <p:nvPr>
+            <p:ph type="ctrTitle"/>
+          </p:nvPr>
+        </p:nvSpPr>
+        <p:spPr/>
+        <p:txBody>
+          <a:bodyPr>
+            <a:normAutofit fontScale="90000"/>
+          </a:bodyPr>
+          <a:lstStyle/>
+          <a:p>
+            <a:r>
+              <a:rPr lang="en-IN" i="1" dirty="0" smtClean="0"/>
+              <a:t>Price of hotels in different neighbourhood groups</a:t>
+            </a:r>
+            <a:endParaRPr lang="en-IN" i="1" dirty="0"/>
+          </a:p>
+        </p:txBody>
+      </p:sp>
+      <p:sp>
+        <p:nvSpPr>
+          <p:cNvPr id="5" name="Subtitle 4"/>
+          <p:cNvSpPr>
+            <a:spLocks noGrp="1"/>
+          </p:cNvSpPr>
+          <p:nvPr>
+            <p:ph type="subTitle" idx="1"/>
+          </p:nvPr>
+        </p:nvSpPr>
+        <p:spPr/>
+        <p:txBody>
+          <a:bodyPr/>
+          <a:lstStyle/>
+          <a:p>
+            <a:r>
+              <a:rPr lang="en-IN" dirty="0" smtClean="0"/>
+              <a:t>The above graph shows that Manhattan has the highest mean price followed by Brooklyn and Queens.</a:t>
+            </a:r>
+            <a:endParaRPr lang="en-IN" dirty="0"/>
+          </a:p>
+        </p:txBody>
+      </p:sp>
+      <p:pic>
+        <p:nvPicPr>
+          <p:cNvPr id="6" name="Picture 5"/>
+          <p:cNvPicPr>
+            <a:picLocks noChangeAspect="1"/>
+          </p:cNvPicPr>
+          <p:nvPr/>
+        </p:nvPicPr>
+        <p:blipFill>
+          <a:blip r:embed="rId2"/>
+          <a:stretch>
+            <a:fillRect/>
+          </a:stretch>
+        </p:blipFill>
+        <p:spPr>
+          <a:xfrm>
+            <a:off x="8685212" y="0"/>
+            <a:ext cx="3506788" cy="3843868"/>
+          </a:xfrm>
+          <a:prstGeom prst="rect">
+            <a:avLst/>
+          </a:prstGeom>
+        </p:spPr>
+      </p:pic>
+    </p:spTree>
+    <p:extLst>
+      <p:ext uri="{BB962C8B-B14F-4D97-AF65-F5344CB8AC3E}">
+        <p14:creationId xmlns:p14="http://schemas.microsoft.com/office/powerpoint/2010/main" val="2377768762"/>
+      </p:ext>
+    </p:extLst>
+  </p:cSld>
+  <p:clrMapOvr>
+    <a:masterClrMapping/>
+  </p:clrMapOvr>
 </p:sld>
 </file>
 
